--- a/TeamProjectPPT_Chang_Rolly_Derek_Matthew.pptx
+++ b/TeamProjectPPT_Chang_Rolly_Derek_Matthew.pptx
@@ -6732,10 +6732,10 @@
       </p:grpSpPr>
       <p:pic>
         <p:nvPicPr>
-          <p:cNvPr id="3" name="Picture 2" descr="Chart, histogram&#10;&#10;Description automatically generated">
+          <p:cNvPr id="5" name="Picture 4" descr="Chart, line chart&#10;&#10;Description automatically generated">
             <a:extLst>
               <a:ext uri="{FF2B5EF4-FFF2-40B4-BE49-F238E27FC236}">
-                <a16:creationId xmlns:a16="http://schemas.microsoft.com/office/drawing/2014/main" id="{9847480C-56E7-E5F6-450C-9CA922F1E52C}"/>
+                <a16:creationId xmlns:a16="http://schemas.microsoft.com/office/drawing/2014/main" id="{8A512FE3-0F66-7360-06D5-54601E424041}"/>
               </a:ext>
             </a:extLst>
           </p:cNvPr>
@@ -6758,42 +6758,6 @@
         </p:blipFill>
         <p:spPr>
           <a:xfrm>
-            <a:off x="368815" y="1409814"/>
-            <a:ext cx="4133678" cy="2755786"/>
-          </a:xfrm>
-          <a:prstGeom prst="rect">
-            <a:avLst/>
-          </a:prstGeom>
-        </p:spPr>
-      </p:pic>
-      <p:pic>
-        <p:nvPicPr>
-          <p:cNvPr id="5" name="Picture 4" descr="Chart, line chart&#10;&#10;Description automatically generated">
-            <a:extLst>
-              <a:ext uri="{FF2B5EF4-FFF2-40B4-BE49-F238E27FC236}">
-                <a16:creationId xmlns:a16="http://schemas.microsoft.com/office/drawing/2014/main" id="{8A512FE3-0F66-7360-06D5-54601E424041}"/>
-              </a:ext>
-            </a:extLst>
-          </p:cNvPr>
-          <p:cNvPicPr>
-            <a:picLocks noChangeAspect="1"/>
-          </p:cNvPicPr>
-          <p:nvPr/>
-        </p:nvPicPr>
-        <p:blipFill>
-          <a:blip r:embed="rId3">
-            <a:extLst>
-              <a:ext uri="{28A0092B-C50C-407E-A947-70E740481C1C}">
-                <a14:useLocalDpi xmlns:a14="http://schemas.microsoft.com/office/drawing/2010/main" val="0"/>
-              </a:ext>
-            </a:extLst>
-          </a:blip>
-          <a:stretch>
-            <a:fillRect/>
-          </a:stretch>
-        </p:blipFill>
-        <p:spPr>
-          <a:xfrm>
             <a:off x="4178472" y="1409815"/>
             <a:ext cx="4133678" cy="2755786"/>
           </a:xfrm>
@@ -6837,7 +6801,7 @@
               </a:spcBef>
               <a:buFontTx/>
               <a:buBlip>
-                <a:blip r:embed="rId4"/>
+                <a:blip r:embed="rId3"/>
               </a:buBlip>
               <a:defRPr sz="2800" b="0" i="0" kern="1200">
                 <a:solidFill>
@@ -6857,7 +6821,7 @@
               </a:spcBef>
               <a:buFontTx/>
               <a:buBlip>
-                <a:blip r:embed="rId4"/>
+                <a:blip r:embed="rId3"/>
               </a:buBlip>
               <a:defRPr sz="2400" b="0" i="0" kern="1200">
                 <a:solidFill>
@@ -6877,7 +6841,7 @@
               </a:spcBef>
               <a:buFontTx/>
               <a:buBlip>
-                <a:blip r:embed="rId4"/>
+                <a:blip r:embed="rId3"/>
               </a:buBlip>
               <a:defRPr sz="2000" b="0" i="0" kern="1200">
                 <a:solidFill>
@@ -6897,7 +6861,7 @@
               </a:spcBef>
               <a:buFontTx/>
               <a:buBlip>
-                <a:blip r:embed="rId4"/>
+                <a:blip r:embed="rId3"/>
               </a:buBlip>
               <a:defRPr sz="1800" b="0" i="0" kern="1200">
                 <a:solidFill>
@@ -6917,7 +6881,7 @@
               </a:spcBef>
               <a:buFontTx/>
               <a:buBlip>
-                <a:blip r:embed="rId4"/>
+                <a:blip r:embed="rId3"/>
               </a:buBlip>
               <a:defRPr sz="1800" b="0" i="0" kern="1200">
                 <a:solidFill>
@@ -7153,6 +7117,42 @@
           </a:p>
         </p:txBody>
       </p:sp>
+      <p:pic>
+        <p:nvPicPr>
+          <p:cNvPr id="4" name="Picture 3" descr="Chart, histogram&#10;&#10;Description automatically generated">
+            <a:extLst>
+              <a:ext uri="{FF2B5EF4-FFF2-40B4-BE49-F238E27FC236}">
+                <a16:creationId xmlns:a16="http://schemas.microsoft.com/office/drawing/2014/main" id="{8FFB7125-D8FE-9E75-CFB6-04561916A749}"/>
+              </a:ext>
+            </a:extLst>
+          </p:cNvPr>
+          <p:cNvPicPr>
+            <a:picLocks noChangeAspect="1"/>
+          </p:cNvPicPr>
+          <p:nvPr/>
+        </p:nvPicPr>
+        <p:blipFill>
+          <a:blip r:embed="rId4">
+            <a:extLst>
+              <a:ext uri="{28A0092B-C50C-407E-A947-70E740481C1C}">
+                <a14:useLocalDpi xmlns:a14="http://schemas.microsoft.com/office/drawing/2010/main" val="0"/>
+              </a:ext>
+            </a:extLst>
+          </a:blip>
+          <a:stretch>
+            <a:fillRect/>
+          </a:stretch>
+        </p:blipFill>
+        <p:spPr>
+          <a:xfrm>
+            <a:off x="368814" y="1420857"/>
+            <a:ext cx="4133679" cy="2755786"/>
+          </a:xfrm>
+          <a:prstGeom prst="rect">
+            <a:avLst/>
+          </a:prstGeom>
+        </p:spPr>
+      </p:pic>
     </p:spTree>
     <p:extLst>
       <p:ext uri="{BB962C8B-B14F-4D97-AF65-F5344CB8AC3E}">

--- a/TeamProjectPPT_Chang_Rolly_Derek_Matthew.pptx
+++ b/TeamProjectPPT_Chang_Rolly_Derek_Matthew.pptx
@@ -296,7 +296,7 @@
             <a:fld id="{276D79ED-3FA7-4EF8-964B-EB8BCFAB02F8}" type="datetimeFigureOut">
               <a:rPr lang="en-US" smtClean="0"/>
               <a:pPr/>
-              <a:t>5/11/2022</a:t>
+              <a:t>5/13/22</a:t>
             </a:fld>
             <a:endParaRPr lang="en-US"/>
           </a:p>
@@ -542,7 +542,7 @@
           <a:p>
             <a:fld id="{276D79ED-3FA7-4EF8-964B-EB8BCFAB02F8}" type="datetimeFigureOut">
               <a:rPr lang="en-US" smtClean="0"/>
-              <a:t>5/11/2022</a:t>
+              <a:t>5/13/22</a:t>
             </a:fld>
             <a:endParaRPr lang="en-US"/>
           </a:p>
@@ -819,7 +819,7 @@
           <a:p>
             <a:fld id="{276D79ED-3FA7-4EF8-964B-EB8BCFAB02F8}" type="datetimeFigureOut">
               <a:rPr lang="en-US" smtClean="0"/>
-              <a:t>5/11/2022</a:t>
+              <a:t>5/13/22</a:t>
             </a:fld>
             <a:endParaRPr lang="en-US"/>
           </a:p>
@@ -1060,7 +1060,7 @@
           <a:p>
             <a:fld id="{276D79ED-3FA7-4EF8-964B-EB8BCFAB02F8}" type="datetimeFigureOut">
               <a:rPr lang="en-US" smtClean="0"/>
-              <a:t>5/11/2022</a:t>
+              <a:t>5/13/22</a:t>
             </a:fld>
             <a:endParaRPr lang="en-US"/>
           </a:p>
@@ -1424,7 +1424,7 @@
           <a:p>
             <a:fld id="{276D79ED-3FA7-4EF8-964B-EB8BCFAB02F8}" type="datetimeFigureOut">
               <a:rPr lang="en-US" smtClean="0"/>
-              <a:t>5/11/2022</a:t>
+              <a:t>5/13/22</a:t>
             </a:fld>
             <a:endParaRPr lang="en-US"/>
           </a:p>
@@ -1541,7 +1541,7 @@
           <a:p>
             <a:fld id="{276D79ED-3FA7-4EF8-964B-EB8BCFAB02F8}" type="datetimeFigureOut">
               <a:rPr lang="en-US" smtClean="0"/>
-              <a:t>5/11/2022</a:t>
+              <a:t>5/13/22</a:t>
             </a:fld>
             <a:endParaRPr lang="en-US"/>
           </a:p>
@@ -1636,7 +1636,7 @@
           <a:p>
             <a:fld id="{276D79ED-3FA7-4EF8-964B-EB8BCFAB02F8}" type="datetimeFigureOut">
               <a:rPr lang="en-US" smtClean="0"/>
-              <a:t>5/11/2022</a:t>
+              <a:t>5/13/22</a:t>
             </a:fld>
             <a:endParaRPr lang="en-US"/>
           </a:p>
@@ -1912,7 +1912,7 @@
           <a:p>
             <a:fld id="{276D79ED-3FA7-4EF8-964B-EB8BCFAB02F8}" type="datetimeFigureOut">
               <a:rPr lang="en-US" smtClean="0"/>
-              <a:t>5/11/2022</a:t>
+              <a:t>5/13/22</a:t>
             </a:fld>
             <a:endParaRPr lang="en-US"/>
           </a:p>
@@ -2168,7 +2168,7 @@
           <a:p>
             <a:fld id="{276D79ED-3FA7-4EF8-964B-EB8BCFAB02F8}" type="datetimeFigureOut">
               <a:rPr lang="en-US" smtClean="0"/>
-              <a:t>5/11/2022</a:t>
+              <a:t>5/13/22</a:t>
             </a:fld>
             <a:endParaRPr lang="en-US"/>
           </a:p>
@@ -2392,7 +2392,7 @@
             <a:fld id="{276D79ED-3FA7-4EF8-964B-EB8BCFAB02F8}" type="datetimeFigureOut">
               <a:rPr lang="en-US" smtClean="0"/>
               <a:pPr/>
-              <a:t>5/11/2022</a:t>
+              <a:t>5/13/22</a:t>
             </a:fld>
             <a:endParaRPr lang="en-US"/>
           </a:p>
@@ -3004,7 +3004,7 @@
         </p:spPr>
         <p:txBody>
           <a:bodyPr>
-            <a:normAutofit/>
+            <a:normAutofit fontScale="90000"/>
           </a:bodyPr>
           <a:lstStyle/>
           <a:p>
@@ -3228,7 +3228,7 @@
         <p:spPr>
           <a:xfrm>
             <a:off x="124568" y="5359273"/>
-            <a:ext cx="9148220" cy="1038746"/>
+            <a:ext cx="9148220" cy="761747"/>
           </a:xfrm>
           <a:prstGeom prst="rect">
             <a:avLst/>
@@ -3282,20 +3282,7 @@
                 <a:ea typeface="Times New Roman" panose="02020603050405020304" pitchFamily="18" charset="0"/>
                 <a:cs typeface="Times New Roman" panose="02020603050405020304" pitchFamily="18" charset="0"/>
               </a:rPr>
-              <a:t>Clear that tv show contents are dominated by kids’ tv genre followed </a:t>
-            </a:r>
-          </a:p>
-          <a:p>
-            <a:r>
-              <a:rPr lang="en-US" dirty="0">
-                <a:solidFill>
-                  <a:srgbClr val="000000"/>
-                </a:solidFill>
-                <a:latin typeface="Arial" panose="020B0604020202020204" pitchFamily="34" charset="0"/>
-                <a:ea typeface="Times New Roman" panose="02020603050405020304" pitchFamily="18" charset="0"/>
-                <a:cs typeface="Times New Roman" panose="02020603050405020304" pitchFamily="18" charset="0"/>
-              </a:rPr>
-              <a:t>     by international tv shows.</a:t>
+              <a:t>TV Show content is dominated by kids’ tv genre.</a:t>
             </a:r>
             <a:endParaRPr lang="en-US" sz="2400" dirty="0">
               <a:latin typeface="Calibri" panose="020F0502020204030204" pitchFamily="34" charset="0"/>
@@ -3560,7 +3547,7 @@
         <p:spPr>
           <a:xfrm>
             <a:off x="236444" y="1600861"/>
-            <a:ext cx="9302750" cy="3416320"/>
+            <a:ext cx="9302750" cy="1754326"/>
           </a:xfrm>
           <a:prstGeom prst="rect">
             <a:avLst/>
@@ -3579,7 +3566,7 @@
             </a:pPr>
             <a:r>
               <a:rPr lang="en-US" dirty="0"/>
-              <a:t>During the last three years (2019, 2020 &amp; 2021), Netflix distributed more movies at 69.7% which is far high compared to tv shows with 30.3%. Every country or region likes to produce content based off of their preferential choices. Duration is another interesting consideration where movies consume time in an hour or two, while tv shows follow episodes/seasons. This could help us understand user preference of content, whether user like binge watching or short time user. </a:t>
+              <a:t>During the last three years (2019, 2020 &amp; 2021), Netflix distributed more movies at 69.7% which is far high compared to tv shows with 30.3%.</a:t>
             </a:r>
           </a:p>
           <a:p>
@@ -3592,21 +3579,14 @@
             </a:endParaRPr>
           </a:p>
           <a:p>
-            <a:pPr marL="285750" indent="-285750">
+            <a:pPr marL="285750" lvl="0" indent="-285750">
               <a:buFont typeface="Arial" panose="020B0604020202020204" pitchFamily="34" charset="0"/>
               <a:buChar char="•"/>
             </a:pPr>
             <a:r>
               <a:rPr lang="en-US" dirty="0"/>
-              <a:t>Netflix offer range of genres to subscribers. In the last three years (2019, 2020, 2021), most of the content fells into multiple genre.  Based on visualization by genre for movies, most of the content on platform for movies are international movies tied with dramas followed very closely by documentaries. For tv show contents, kids tv dominated the contents, followed by both international and drama tv shows. </a:t>
-            </a:r>
-            <a:endParaRPr lang="en-US" b="0" i="0" dirty="0">
-              <a:solidFill>
-                <a:srgbClr val="000000"/>
-              </a:solidFill>
-              <a:effectLst/>
-              <a:latin typeface="Helvetica Neue"/>
-            </a:endParaRPr>
+              <a:t>Netflix offers range of genres to subscribers. In the last three years (2019, 2020, 2021), most of the content fell into multiple genres. Movie content is dominated by international genre, while tv show content is dominated by kids’ tv genre.</a:t>
+            </a:r>
           </a:p>
         </p:txBody>
       </p:sp>
@@ -8832,26 +8812,26 @@
           </a:bodyPr>
           <a:lstStyle/>
           <a:p>
-            <a:pPr marL="285750" indent="-285750">
+            <a:pPr marL="285750" lvl="0" indent="-285750">
               <a:buFont typeface="Arial" panose="020B0604020202020204" pitchFamily="34" charset="0"/>
               <a:buChar char="•"/>
             </a:pPr>
             <a:r>
               <a:rPr lang="en-US" dirty="0"/>
-              <a:t>This visualization shows the percentage ratio of both tv shows and movies. </a:t>
+              <a:t>This illustration shows the percentage ratio of both tv shows and movies. </a:t>
             </a:r>
           </a:p>
           <a:p>
             <a:endParaRPr lang="en-US" dirty="0"/>
           </a:p>
           <a:p>
-            <a:pPr marL="285750" indent="-285750">
+            <a:pPr marL="285750" lvl="0" indent="-285750">
               <a:buFont typeface="Arial" panose="020B0604020202020204" pitchFamily="34" charset="0"/>
               <a:buChar char="•"/>
             </a:pPr>
             <a:r>
               <a:rPr lang="en-US" dirty="0"/>
-              <a:t>It is known that movies are far high compared to tv shows in the last three years.</a:t>
+              <a:t>Movies are far high compared to tv shows in the last three years.</a:t>
             </a:r>
           </a:p>
         </p:txBody>
@@ -9005,7 +8985,7 @@
                 <a:ea typeface="Times New Roman" panose="02020603050405020304" pitchFamily="18" charset="0"/>
                 <a:cs typeface="Times New Roman" panose="02020603050405020304" pitchFamily="18" charset="0"/>
               </a:rPr>
-              <a:t>In the last there years, movie contents is dominated by international genre due to Netflix international presence.</a:t>
+              <a:t>In the last there years, movie content is dominated by international genre due to Netflix international presence.</a:t>
             </a:r>
             <a:endParaRPr lang="en-US" sz="2400" dirty="0">
               <a:latin typeface="Calibri" panose="020F0502020204030204" pitchFamily="34" charset="0"/>
